--- a/Powerpoints/2 Some Causal Models.pptx
+++ b/Powerpoints/2 Some Causal Models.pptx
@@ -245,7 +245,7 @@
           <a:p>
             <a:fld id="{C3584B21-DC6B-C649-8A37-7D7FB23D82EA}" type="datetimeFigureOut">
               <a:rPr lang="en-US" smtClean="0"/>
-              <a:t>10/22/21</a:t>
+              <a:t>12/27/21</a:t>
             </a:fld>
             <a:endParaRPr lang="en-US"/>
           </a:p>
@@ -2258,7 +2258,7 @@
           <a:p>
             <a:fld id="{517F15D0-122D-FF40-AC2E-73F8481CEEC0}" type="datetimeFigureOut">
               <a:rPr lang="en-US" smtClean="0"/>
-              <a:t>10/22/21</a:t>
+              <a:t>12/27/21</a:t>
             </a:fld>
             <a:endParaRPr lang="en-US"/>
           </a:p>
@@ -2456,7 +2456,7 @@
           <a:p>
             <a:fld id="{517F15D0-122D-FF40-AC2E-73F8481CEEC0}" type="datetimeFigureOut">
               <a:rPr lang="en-US" smtClean="0"/>
-              <a:t>10/22/21</a:t>
+              <a:t>12/27/21</a:t>
             </a:fld>
             <a:endParaRPr lang="en-US"/>
           </a:p>
@@ -2664,7 +2664,7 @@
           <a:p>
             <a:fld id="{517F15D0-122D-FF40-AC2E-73F8481CEEC0}" type="datetimeFigureOut">
               <a:rPr lang="en-US" smtClean="0"/>
-              <a:t>10/22/21</a:t>
+              <a:t>12/27/21</a:t>
             </a:fld>
             <a:endParaRPr lang="en-US"/>
           </a:p>
@@ -2862,7 +2862,7 @@
           <a:p>
             <a:fld id="{517F15D0-122D-FF40-AC2E-73F8481CEEC0}" type="datetimeFigureOut">
               <a:rPr lang="en-US" smtClean="0"/>
-              <a:t>10/22/21</a:t>
+              <a:t>12/27/21</a:t>
             </a:fld>
             <a:endParaRPr lang="en-US"/>
           </a:p>
@@ -3137,7 +3137,7 @@
           <a:p>
             <a:fld id="{517F15D0-122D-FF40-AC2E-73F8481CEEC0}" type="datetimeFigureOut">
               <a:rPr lang="en-US" smtClean="0"/>
-              <a:t>10/22/21</a:t>
+              <a:t>12/27/21</a:t>
             </a:fld>
             <a:endParaRPr lang="en-US"/>
           </a:p>
@@ -3402,7 +3402,7 @@
           <a:p>
             <a:fld id="{517F15D0-122D-FF40-AC2E-73F8481CEEC0}" type="datetimeFigureOut">
               <a:rPr lang="en-US" smtClean="0"/>
-              <a:t>10/22/21</a:t>
+              <a:t>12/27/21</a:t>
             </a:fld>
             <a:endParaRPr lang="en-US"/>
           </a:p>
@@ -3814,7 +3814,7 @@
           <a:p>
             <a:fld id="{517F15D0-122D-FF40-AC2E-73F8481CEEC0}" type="datetimeFigureOut">
               <a:rPr lang="en-US" smtClean="0"/>
-              <a:t>10/22/21</a:t>
+              <a:t>12/27/21</a:t>
             </a:fld>
             <a:endParaRPr lang="en-US"/>
           </a:p>
@@ -3955,7 +3955,7 @@
           <a:p>
             <a:fld id="{517F15D0-122D-FF40-AC2E-73F8481CEEC0}" type="datetimeFigureOut">
               <a:rPr lang="en-US" smtClean="0"/>
-              <a:t>10/22/21</a:t>
+              <a:t>12/27/21</a:t>
             </a:fld>
             <a:endParaRPr lang="en-US"/>
           </a:p>
@@ -4068,7 +4068,7 @@
           <a:p>
             <a:fld id="{517F15D0-122D-FF40-AC2E-73F8481CEEC0}" type="datetimeFigureOut">
               <a:rPr lang="en-US" smtClean="0"/>
-              <a:t>10/22/21</a:t>
+              <a:t>12/27/21</a:t>
             </a:fld>
             <a:endParaRPr lang="en-US"/>
           </a:p>
@@ -4379,7 +4379,7 @@
           <a:p>
             <a:fld id="{517F15D0-122D-FF40-AC2E-73F8481CEEC0}" type="datetimeFigureOut">
               <a:rPr lang="en-US" smtClean="0"/>
-              <a:t>10/22/21</a:t>
+              <a:t>12/27/21</a:t>
             </a:fld>
             <a:endParaRPr lang="en-US"/>
           </a:p>
@@ -4667,7 +4667,7 @@
           <a:p>
             <a:fld id="{517F15D0-122D-FF40-AC2E-73F8481CEEC0}" type="datetimeFigureOut">
               <a:rPr lang="en-US" smtClean="0"/>
-              <a:t>10/22/21</a:t>
+              <a:t>12/27/21</a:t>
             </a:fld>
             <a:endParaRPr lang="en-US"/>
           </a:p>
@@ -4908,7 +4908,7 @@
           <a:p>
             <a:fld id="{517F15D0-122D-FF40-AC2E-73F8481CEEC0}" type="datetimeFigureOut">
               <a:rPr lang="en-US" smtClean="0"/>
-              <a:t>10/22/21</a:t>
+              <a:t>12/27/21</a:t>
             </a:fld>
             <a:endParaRPr lang="en-US"/>
           </a:p>
@@ -5384,17 +5384,10 @@
           <a:lstStyle/>
           <a:p>
             <a:r>
-              <a:rPr lang="en-US" dirty="0"/>
-              <a:t>Julian Hsu (@</a:t>
+              <a:rPr lang="en-US"/>
+              <a:t>Julian Hsu</a:t>
             </a:r>
-            <a:r>
-              <a:rPr lang="en-US" dirty="0" err="1"/>
-              <a:t>hsujulia</a:t>
-            </a:r>
-            <a:r>
-              <a:rPr lang="en-US" dirty="0"/>
-              <a:t>)</a:t>
-            </a:r>
+            <a:endParaRPr lang="en-US" dirty="0"/>
           </a:p>
         </p:txBody>
       </p:sp>
@@ -6894,8 +6887,8 @@
           </a:p>
         </p:txBody>
       </p:sp>
-      <mc:AlternateContent xmlns:mc="http://schemas.openxmlformats.org/markup-compatibility/2006">
-        <mc:Choice xmlns:a14="http://schemas.microsoft.com/office/drawing/2010/main" Requires="a14">
+      <mc:AlternateContent xmlns:mc="http://schemas.openxmlformats.org/markup-compatibility/2006" xmlns:a14="http://schemas.microsoft.com/office/drawing/2010/main">
+        <mc:Choice Requires="a14">
           <p:sp>
             <p:nvSpPr>
               <p:cNvPr id="3" name="Content Placeholder 2">
@@ -7100,7 +7093,7 @@
             </p:txBody>
           </p:sp>
         </mc:Choice>
-        <mc:Fallback>
+        <mc:Fallback xmlns="">
           <p:sp>
             <p:nvSpPr>
               <p:cNvPr id="3" name="Content Placeholder 2">

--- a/Powerpoints/2 Some Causal Models.pptx
+++ b/Powerpoints/2 Some Causal Models.pptx
@@ -245,7 +245,7 @@
           <a:p>
             <a:fld id="{C3584B21-DC6B-C649-8A37-7D7FB23D82EA}" type="datetimeFigureOut">
               <a:rPr lang="en-US" smtClean="0"/>
-              <a:t>12/27/21</a:t>
+              <a:t>8/1/22</a:t>
             </a:fld>
             <a:endParaRPr lang="en-US"/>
           </a:p>
@@ -2258,7 +2258,7 @@
           <a:p>
             <a:fld id="{517F15D0-122D-FF40-AC2E-73F8481CEEC0}" type="datetimeFigureOut">
               <a:rPr lang="en-US" smtClean="0"/>
-              <a:t>12/27/21</a:t>
+              <a:t>8/1/22</a:t>
             </a:fld>
             <a:endParaRPr lang="en-US"/>
           </a:p>
@@ -2456,7 +2456,7 @@
           <a:p>
             <a:fld id="{517F15D0-122D-FF40-AC2E-73F8481CEEC0}" type="datetimeFigureOut">
               <a:rPr lang="en-US" smtClean="0"/>
-              <a:t>12/27/21</a:t>
+              <a:t>8/1/22</a:t>
             </a:fld>
             <a:endParaRPr lang="en-US"/>
           </a:p>
@@ -2664,7 +2664,7 @@
           <a:p>
             <a:fld id="{517F15D0-122D-FF40-AC2E-73F8481CEEC0}" type="datetimeFigureOut">
               <a:rPr lang="en-US" smtClean="0"/>
-              <a:t>12/27/21</a:t>
+              <a:t>8/1/22</a:t>
             </a:fld>
             <a:endParaRPr lang="en-US"/>
           </a:p>
@@ -2862,7 +2862,7 @@
           <a:p>
             <a:fld id="{517F15D0-122D-FF40-AC2E-73F8481CEEC0}" type="datetimeFigureOut">
               <a:rPr lang="en-US" smtClean="0"/>
-              <a:t>12/27/21</a:t>
+              <a:t>8/1/22</a:t>
             </a:fld>
             <a:endParaRPr lang="en-US"/>
           </a:p>
@@ -3137,7 +3137,7 @@
           <a:p>
             <a:fld id="{517F15D0-122D-FF40-AC2E-73F8481CEEC0}" type="datetimeFigureOut">
               <a:rPr lang="en-US" smtClean="0"/>
-              <a:t>12/27/21</a:t>
+              <a:t>8/1/22</a:t>
             </a:fld>
             <a:endParaRPr lang="en-US"/>
           </a:p>
@@ -3402,7 +3402,7 @@
           <a:p>
             <a:fld id="{517F15D0-122D-FF40-AC2E-73F8481CEEC0}" type="datetimeFigureOut">
               <a:rPr lang="en-US" smtClean="0"/>
-              <a:t>12/27/21</a:t>
+              <a:t>8/1/22</a:t>
             </a:fld>
             <a:endParaRPr lang="en-US"/>
           </a:p>
@@ -3814,7 +3814,7 @@
           <a:p>
             <a:fld id="{517F15D0-122D-FF40-AC2E-73F8481CEEC0}" type="datetimeFigureOut">
               <a:rPr lang="en-US" smtClean="0"/>
-              <a:t>12/27/21</a:t>
+              <a:t>8/1/22</a:t>
             </a:fld>
             <a:endParaRPr lang="en-US"/>
           </a:p>
@@ -3955,7 +3955,7 @@
           <a:p>
             <a:fld id="{517F15D0-122D-FF40-AC2E-73F8481CEEC0}" type="datetimeFigureOut">
               <a:rPr lang="en-US" smtClean="0"/>
-              <a:t>12/27/21</a:t>
+              <a:t>8/1/22</a:t>
             </a:fld>
             <a:endParaRPr lang="en-US"/>
           </a:p>
@@ -4068,7 +4068,7 @@
           <a:p>
             <a:fld id="{517F15D0-122D-FF40-AC2E-73F8481CEEC0}" type="datetimeFigureOut">
               <a:rPr lang="en-US" smtClean="0"/>
-              <a:t>12/27/21</a:t>
+              <a:t>8/1/22</a:t>
             </a:fld>
             <a:endParaRPr lang="en-US"/>
           </a:p>
@@ -4379,7 +4379,7 @@
           <a:p>
             <a:fld id="{517F15D0-122D-FF40-AC2E-73F8481CEEC0}" type="datetimeFigureOut">
               <a:rPr lang="en-US" smtClean="0"/>
-              <a:t>12/27/21</a:t>
+              <a:t>8/1/22</a:t>
             </a:fld>
             <a:endParaRPr lang="en-US"/>
           </a:p>
@@ -4667,7 +4667,7 @@
           <a:p>
             <a:fld id="{517F15D0-122D-FF40-AC2E-73F8481CEEC0}" type="datetimeFigureOut">
               <a:rPr lang="en-US" smtClean="0"/>
-              <a:t>12/27/21</a:t>
+              <a:t>8/1/22</a:t>
             </a:fld>
             <a:endParaRPr lang="en-US"/>
           </a:p>
@@ -4908,7 +4908,7 @@
           <a:p>
             <a:fld id="{517F15D0-122D-FF40-AC2E-73F8481CEEC0}" type="datetimeFigureOut">
               <a:rPr lang="en-US" smtClean="0"/>
-              <a:t>12/27/21</a:t>
+              <a:t>8/1/22</a:t>
             </a:fld>
             <a:endParaRPr lang="en-US"/>
           </a:p>
@@ -5350,14 +5350,7 @@
           <a:p>
             <a:r>
               <a:rPr lang="en-US" dirty="0"/>
-              <a:t>Causal Inference Crash Course</a:t>
-            </a:r>
-            <a:br>
-              <a:rPr lang="en-US" dirty="0"/>
-            </a:br>
-            <a:r>
-              <a:rPr lang="en-US" dirty="0"/>
-              <a:t>Part 2: Defining Some Causal Models</a:t>
+              <a:t>Causal Inference Crash Course: Defining Some Causal Models</a:t>
             </a:r>
           </a:p>
         </p:txBody>
